--- a/seminar/Elektrodermalne aktivnosti (EDA)5min.pptx
+++ b/seminar/Elektrodermalne aktivnosti (EDA)5min.pptx
@@ -839,7 +839,7 @@
           <a:p>
             <a:fld id="{FE4EA71A-6235-446D-8DF6-9E246770C215}" type="datetimeFigureOut">
               <a:rPr lang="en-SI" smtClean="0"/>
-              <a:t>11/11/2024</a:t>
+              <a:t>18/11/2024</a:t>
             </a:fld>
             <a:endParaRPr lang="en-SI"/>
           </a:p>
@@ -1090,7 +1090,7 @@
           <a:p>
             <a:fld id="{FE4EA71A-6235-446D-8DF6-9E246770C215}" type="datetimeFigureOut">
               <a:rPr lang="en-SI" smtClean="0"/>
-              <a:t>11/11/2024</a:t>
+              <a:t>18/11/2024</a:t>
             </a:fld>
             <a:endParaRPr lang="en-SI"/>
           </a:p>
@@ -1404,7 +1404,7 @@
           <a:p>
             <a:fld id="{FE4EA71A-6235-446D-8DF6-9E246770C215}" type="datetimeFigureOut">
               <a:rPr lang="en-SI" smtClean="0"/>
-              <a:t>11/11/2024</a:t>
+              <a:t>18/11/2024</a:t>
             </a:fld>
             <a:endParaRPr lang="en-SI"/>
           </a:p>
@@ -1745,7 +1745,7 @@
           <a:p>
             <a:fld id="{FE4EA71A-6235-446D-8DF6-9E246770C215}" type="datetimeFigureOut">
               <a:rPr lang="en-SI" smtClean="0"/>
-              <a:t>11/11/2024</a:t>
+              <a:t>18/11/2024</a:t>
             </a:fld>
             <a:endParaRPr lang="en-SI"/>
           </a:p>
@@ -2059,7 +2059,7 @@
           <a:p>
             <a:fld id="{FE4EA71A-6235-446D-8DF6-9E246770C215}" type="datetimeFigureOut">
               <a:rPr lang="en-SI" smtClean="0"/>
-              <a:t>11/11/2024</a:t>
+              <a:t>18/11/2024</a:t>
             </a:fld>
             <a:endParaRPr lang="en-SI"/>
           </a:p>
@@ -2452,7 +2452,7 @@
           <a:p>
             <a:fld id="{FE4EA71A-6235-446D-8DF6-9E246770C215}" type="datetimeFigureOut">
               <a:rPr lang="en-SI" smtClean="0"/>
-              <a:t>11/11/2024</a:t>
+              <a:t>18/11/2024</a:t>
             </a:fld>
             <a:endParaRPr lang="en-SI"/>
           </a:p>
@@ -2622,7 +2622,7 @@
           <a:p>
             <a:fld id="{FE4EA71A-6235-446D-8DF6-9E246770C215}" type="datetimeFigureOut">
               <a:rPr lang="en-SI" smtClean="0"/>
-              <a:t>11/11/2024</a:t>
+              <a:t>18/11/2024</a:t>
             </a:fld>
             <a:endParaRPr lang="en-SI"/>
           </a:p>
@@ -2802,7 +2802,7 @@
           <a:p>
             <a:fld id="{FE4EA71A-6235-446D-8DF6-9E246770C215}" type="datetimeFigureOut">
               <a:rPr lang="en-SI" smtClean="0"/>
-              <a:t>11/11/2024</a:t>
+              <a:t>18/11/2024</a:t>
             </a:fld>
             <a:endParaRPr lang="en-SI"/>
           </a:p>
@@ -2978,7 +2978,7 @@
           <a:p>
             <a:fld id="{FE4EA71A-6235-446D-8DF6-9E246770C215}" type="datetimeFigureOut">
               <a:rPr lang="en-SI" smtClean="0"/>
-              <a:t>11/11/2024</a:t>
+              <a:t>18/11/2024</a:t>
             </a:fld>
             <a:endParaRPr lang="en-SI"/>
           </a:p>
@@ -3225,7 +3225,7 @@
           <a:p>
             <a:fld id="{FE4EA71A-6235-446D-8DF6-9E246770C215}" type="datetimeFigureOut">
               <a:rPr lang="en-SI" smtClean="0"/>
-              <a:t>11/11/2024</a:t>
+              <a:t>18/11/2024</a:t>
             </a:fld>
             <a:endParaRPr lang="en-SI"/>
           </a:p>
@@ -3457,7 +3457,7 @@
           <a:p>
             <a:fld id="{FE4EA71A-6235-446D-8DF6-9E246770C215}" type="datetimeFigureOut">
               <a:rPr lang="en-SI" smtClean="0"/>
-              <a:t>11/11/2024</a:t>
+              <a:t>18/11/2024</a:t>
             </a:fld>
             <a:endParaRPr lang="en-SI"/>
           </a:p>
@@ -3831,7 +3831,7 @@
           <a:p>
             <a:fld id="{FE4EA71A-6235-446D-8DF6-9E246770C215}" type="datetimeFigureOut">
               <a:rPr lang="en-SI" smtClean="0"/>
-              <a:t>11/11/2024</a:t>
+              <a:t>18/11/2024</a:t>
             </a:fld>
             <a:endParaRPr lang="en-SI"/>
           </a:p>
@@ -3954,7 +3954,7 @@
           <a:p>
             <a:fld id="{FE4EA71A-6235-446D-8DF6-9E246770C215}" type="datetimeFigureOut">
               <a:rPr lang="en-SI" smtClean="0"/>
-              <a:t>11/11/2024</a:t>
+              <a:t>18/11/2024</a:t>
             </a:fld>
             <a:endParaRPr lang="en-SI"/>
           </a:p>
@@ -4049,7 +4049,7 @@
           <a:p>
             <a:fld id="{FE4EA71A-6235-446D-8DF6-9E246770C215}" type="datetimeFigureOut">
               <a:rPr lang="en-SI" smtClean="0"/>
-              <a:t>11/11/2024</a:t>
+              <a:t>18/11/2024</a:t>
             </a:fld>
             <a:endParaRPr lang="en-SI"/>
           </a:p>
@@ -4304,7 +4304,7 @@
           <a:p>
             <a:fld id="{FE4EA71A-6235-446D-8DF6-9E246770C215}" type="datetimeFigureOut">
               <a:rPr lang="en-SI" smtClean="0"/>
-              <a:t>11/11/2024</a:t>
+              <a:t>18/11/2024</a:t>
             </a:fld>
             <a:endParaRPr lang="en-SI"/>
           </a:p>
@@ -4567,7 +4567,7 @@
           <a:p>
             <a:fld id="{FE4EA71A-6235-446D-8DF6-9E246770C215}" type="datetimeFigureOut">
               <a:rPr lang="en-SI" smtClean="0"/>
-              <a:t>11/11/2024</a:t>
+              <a:t>18/11/2024</a:t>
             </a:fld>
             <a:endParaRPr lang="en-SI"/>
           </a:p>
@@ -5310,7 +5310,7 @@
           <a:p>
             <a:fld id="{FE4EA71A-6235-446D-8DF6-9E246770C215}" type="datetimeFigureOut">
               <a:rPr lang="en-SI" smtClean="0"/>
-              <a:t>11/11/2024</a:t>
+              <a:t>18/11/2024</a:t>
             </a:fld>
             <a:endParaRPr lang="en-SI"/>
           </a:p>
@@ -5862,7 +5862,7 @@
           <a:p>
             <a:r>
               <a:rPr lang="en-GB" dirty="0" err="1"/>
-              <a:t>Elektrodermalne</a:t>
+              <a:t>Elektrodermalna</a:t>
             </a:r>
             <a:r>
               <a:rPr lang="en-GB" dirty="0"/>
@@ -5870,7 +5870,7 @@
             </a:r>
             <a:r>
               <a:rPr lang="en-GB" dirty="0" err="1"/>
-              <a:t>Aktivnosti</a:t>
+              <a:t>Aktivnost</a:t>
             </a:r>
             <a:r>
               <a:rPr lang="en-GB" dirty="0"/>
@@ -6954,8 +6954,13 @@
             </a:r>
             <a:r>
               <a:rPr lang="en-GB" dirty="0"/>
-              <a:t> in stress</a:t>
-            </a:r>
+              <a:t> in </a:t>
+            </a:r>
+            <a:r>
+              <a:rPr lang="en-GB" dirty="0" err="1"/>
+              <a:t>stres</a:t>
+            </a:r>
+            <a:endParaRPr lang="en-GB" dirty="0"/>
           </a:p>
           <a:p>
             <a:r>
@@ -7011,7 +7016,15 @@
             </a:r>
             <a:r>
               <a:rPr lang="en-GB" b="1" dirty="0"/>
-              <a:t> Velika !!!</a:t>
+              <a:t> </a:t>
+            </a:r>
+            <a:r>
+              <a:rPr lang="en-GB" b="1" dirty="0" err="1"/>
+              <a:t>velika</a:t>
+            </a:r>
+            <a:r>
+              <a:rPr lang="en-GB" b="1" dirty="0"/>
+              <a:t> !!!</a:t>
             </a:r>
             <a:endParaRPr lang="en-GB" dirty="0"/>
           </a:p>
